--- a/README/Elements.pptx
+++ b/README/Elements.pptx
@@ -8,28 +8,27 @@
     <p:sldId id="256" r:id="rId2"/>
     <p:sldId id="257" r:id="rId3"/>
     <p:sldId id="258" r:id="rId4"/>
-    <p:sldId id="259" r:id="rId5"/>
-    <p:sldId id="260" r:id="rId6"/>
-    <p:sldId id="261" r:id="rId7"/>
-    <p:sldId id="262" r:id="rId8"/>
+    <p:sldId id="260" r:id="rId5"/>
+    <p:sldId id="261" r:id="rId6"/>
+    <p:sldId id="262" r:id="rId7"/>
   </p:sldIdLst>
   <p:sldSz cx="18288000" cy="10287000"/>
   <p:notesSz cx="6858000" cy="9144000"/>
   <p:embeddedFontLst>
     <p:embeddedFont>
       <p:font typeface="Montserrat" panose="020B0604020202020204" charset="-52"/>
+      <p:regular r:id="rId8"/>
+    </p:embeddedFont>
+    <p:embeddedFont>
+      <p:font typeface="Calibri" panose="020F0502020204030204" pitchFamily="34" charset="0"/>
       <p:regular r:id="rId9"/>
+      <p:bold r:id="rId10"/>
+      <p:italic r:id="rId11"/>
+      <p:boldItalic r:id="rId12"/>
     </p:embeddedFont>
     <p:embeddedFont>
       <p:font typeface="Montserrat Bold" panose="020B0604020202020204" charset="-52"/>
-      <p:regular r:id="rId10"/>
-    </p:embeddedFont>
-    <p:embeddedFont>
-      <p:font typeface="Calibri" panose="020F0502020204030204" pitchFamily="34" charset="0"/>
-      <p:regular r:id="rId11"/>
-      <p:bold r:id="rId12"/>
-      <p:italic r:id="rId13"/>
-      <p:boldItalic r:id="rId14"/>
+      <p:regular r:id="rId13"/>
     </p:embeddedFont>
   </p:embeddedFontLst>
   <p:defaultTextStyle>
@@ -312,7 +311,7 @@
             <a:fld id="{1D8BD707-D9CF-40AE-B4C6-C98DA3205C09}" type="datetimeFigureOut">
               <a:rPr lang="en-US" smtClean="0"/>
               <a:pPr/>
-              <a:t>1/25/2022</a:t>
+              <a:t>1/30/2022</a:t>
             </a:fld>
             <a:endParaRPr lang="en-US"/>
           </a:p>
@@ -479,7 +478,7 @@
             <a:fld id="{1D8BD707-D9CF-40AE-B4C6-C98DA3205C09}" type="datetimeFigureOut">
               <a:rPr lang="en-US" smtClean="0"/>
               <a:pPr/>
-              <a:t>1/25/2022</a:t>
+              <a:t>1/30/2022</a:t>
             </a:fld>
             <a:endParaRPr lang="en-US"/>
           </a:p>
@@ -656,7 +655,7 @@
             <a:fld id="{1D8BD707-D9CF-40AE-B4C6-C98DA3205C09}" type="datetimeFigureOut">
               <a:rPr lang="en-US" smtClean="0"/>
               <a:pPr/>
-              <a:t>1/25/2022</a:t>
+              <a:t>1/30/2022</a:t>
             </a:fld>
             <a:endParaRPr lang="en-US"/>
           </a:p>
@@ -823,7 +822,7 @@
             <a:fld id="{1D8BD707-D9CF-40AE-B4C6-C98DA3205C09}" type="datetimeFigureOut">
               <a:rPr lang="en-US" smtClean="0"/>
               <a:pPr/>
-              <a:t>1/25/2022</a:t>
+              <a:t>1/30/2022</a:t>
             </a:fld>
             <a:endParaRPr lang="en-US"/>
           </a:p>
@@ -1066,7 +1065,7 @@
             <a:fld id="{1D8BD707-D9CF-40AE-B4C6-C98DA3205C09}" type="datetimeFigureOut">
               <a:rPr lang="en-US" smtClean="0"/>
               <a:pPr/>
-              <a:t>1/25/2022</a:t>
+              <a:t>1/30/2022</a:t>
             </a:fld>
             <a:endParaRPr lang="en-US"/>
           </a:p>
@@ -1351,7 +1350,7 @@
             <a:fld id="{1D8BD707-D9CF-40AE-B4C6-C98DA3205C09}" type="datetimeFigureOut">
               <a:rPr lang="en-US" smtClean="0"/>
               <a:pPr/>
-              <a:t>1/25/2022</a:t>
+              <a:t>1/30/2022</a:t>
             </a:fld>
             <a:endParaRPr lang="en-US"/>
           </a:p>
@@ -1770,7 +1769,7 @@
             <a:fld id="{1D8BD707-D9CF-40AE-B4C6-C98DA3205C09}" type="datetimeFigureOut">
               <a:rPr lang="en-US" smtClean="0"/>
               <a:pPr/>
-              <a:t>1/25/2022</a:t>
+              <a:t>1/30/2022</a:t>
             </a:fld>
             <a:endParaRPr lang="en-US"/>
           </a:p>
@@ -1885,7 +1884,7 @@
             <a:fld id="{1D8BD707-D9CF-40AE-B4C6-C98DA3205C09}" type="datetimeFigureOut">
               <a:rPr lang="en-US" smtClean="0"/>
               <a:pPr/>
-              <a:t>1/25/2022</a:t>
+              <a:t>1/30/2022</a:t>
             </a:fld>
             <a:endParaRPr lang="en-US"/>
           </a:p>
@@ -1977,7 +1976,7 @@
             <a:fld id="{1D8BD707-D9CF-40AE-B4C6-C98DA3205C09}" type="datetimeFigureOut">
               <a:rPr lang="en-US" smtClean="0"/>
               <a:pPr/>
-              <a:t>1/25/2022</a:t>
+              <a:t>1/30/2022</a:t>
             </a:fld>
             <a:endParaRPr lang="en-US"/>
           </a:p>
@@ -2251,7 +2250,7 @@
             <a:fld id="{1D8BD707-D9CF-40AE-B4C6-C98DA3205C09}" type="datetimeFigureOut">
               <a:rPr lang="en-US" smtClean="0"/>
               <a:pPr/>
-              <a:t>1/25/2022</a:t>
+              <a:t>1/30/2022</a:t>
             </a:fld>
             <a:endParaRPr lang="en-US"/>
           </a:p>
@@ -2501,7 +2500,7 @@
             <a:fld id="{1D8BD707-D9CF-40AE-B4C6-C98DA3205C09}" type="datetimeFigureOut">
               <a:rPr lang="en-US" smtClean="0"/>
               <a:pPr/>
-              <a:t>1/25/2022</a:t>
+              <a:t>1/30/2022</a:t>
             </a:fld>
             <a:endParaRPr lang="en-US"/>
           </a:p>
@@ -2711,7 +2710,7 @@
             <a:fld id="{1D8BD707-D9CF-40AE-B4C6-C98DA3205C09}" type="datetimeFigureOut">
               <a:rPr lang="en-US" smtClean="0"/>
               <a:pPr/>
-              <a:t>1/25/2022</a:t>
+              <a:t>1/30/2022</a:t>
             </a:fld>
             <a:endParaRPr lang="en-US"/>
           </a:p>
@@ -3119,7 +3118,7 @@
                   <a14:useLocalDpi xmlns:a14="http://schemas.microsoft.com/office/drawing/2010/main" val="0"/>
                 </a:ext>
                 <a:ext uri="{96DAC541-7B7A-43D3-8B79-37D633B846F1}">
-                  <asvg:svgBlip xmlns:asvg="http://schemas.microsoft.com/office/drawing/2016/SVG/main" xmlns="" r:embed="rId3"/>
+                  <asvg:svgBlip xmlns="" xmlns:asvg="http://schemas.microsoft.com/office/drawing/2016/SVG/main" r:embed="rId3"/>
                 </a:ext>
               </a:extLst>
             </a:blip>
@@ -3982,7 +3981,7 @@
                 <a14:useLocalDpi xmlns:a14="http://schemas.microsoft.com/office/drawing/2010/main" val="0"/>
               </a:ext>
               <a:ext uri="{96DAC541-7B7A-43D3-8B79-37D633B846F1}">
-                <asvg:svgBlip xmlns:asvg="http://schemas.microsoft.com/office/drawing/2016/SVG/main" xmlns="" r:embed="rId4"/>
+                <asvg:svgBlip xmlns="" xmlns:asvg="http://schemas.microsoft.com/office/drawing/2016/SVG/main" r:embed="rId4"/>
               </a:ext>
             </a:extLst>
           </a:blip>
@@ -4016,7 +4015,7 @@
                 <a14:useLocalDpi xmlns:a14="http://schemas.microsoft.com/office/drawing/2010/main" val="0"/>
               </a:ext>
               <a:ext uri="{96DAC541-7B7A-43D3-8B79-37D633B846F1}">
-                <asvg:svgBlip xmlns:asvg="http://schemas.microsoft.com/office/drawing/2016/SVG/main" xmlns="" r:embed="rId6"/>
+                <asvg:svgBlip xmlns="" xmlns:asvg="http://schemas.microsoft.com/office/drawing/2016/SVG/main" r:embed="rId6"/>
               </a:ext>
             </a:extLst>
           </a:blip>
@@ -4205,7 +4204,7 @@
                   <a14:useLocalDpi xmlns:a14="http://schemas.microsoft.com/office/drawing/2010/main" val="0"/>
                 </a:ext>
                 <a:ext uri="{96DAC541-7B7A-43D3-8B79-37D633B846F1}">
-                  <asvg:svgBlip xmlns:asvg="http://schemas.microsoft.com/office/drawing/2016/SVG/main" xmlns="" r:embed="rId3"/>
+                  <asvg:svgBlip xmlns="" xmlns:asvg="http://schemas.microsoft.com/office/drawing/2016/SVG/main" r:embed="rId3"/>
                 </a:ext>
               </a:extLst>
             </a:blip>
@@ -4608,543 +4607,6 @@
       <p:grpSp>
         <p:nvGrpSpPr>
           <p:cNvPr id="2" name="Group 2"/>
-          <p:cNvGrpSpPr>
-            <a:grpSpLocks noChangeAspect="1"/>
-          </p:cNvGrpSpPr>
-          <p:nvPr/>
-        </p:nvGrpSpPr>
-        <p:grpSpPr>
-          <a:xfrm>
-            <a:off x="0" y="-187982"/>
-            <a:ext cx="8742601" cy="10474982"/>
-            <a:chOff x="0" y="0"/>
-            <a:chExt cx="8585708" cy="10287000"/>
-          </a:xfrm>
-        </p:grpSpPr>
-        <p:sp>
-          <p:nvSpPr>
-            <p:cNvPr id="3" name="Freeform 3"/>
-            <p:cNvSpPr/>
-            <p:nvPr/>
-          </p:nvSpPr>
-          <p:spPr>
-            <a:xfrm>
-              <a:off x="0" y="0"/>
-              <a:ext cx="8585708" cy="10286999"/>
-            </a:xfrm>
-            <a:custGeom>
-              <a:avLst/>
-              <a:gdLst/>
-              <a:ahLst/>
-              <a:cxnLst/>
-              <a:rect l="l" t="t" r="r" b="b"/>
-              <a:pathLst>
-                <a:path w="8585708" h="10286999">
-                  <a:moveTo>
-                    <a:pt x="8585708" y="762"/>
-                  </a:moveTo>
-                  <a:cubicBezTo>
-                    <a:pt x="8581644" y="20447"/>
-                    <a:pt x="8577961" y="40132"/>
-                    <a:pt x="8573515" y="59690"/>
-                  </a:cubicBezTo>
-                  <a:cubicBezTo>
-                    <a:pt x="8478138" y="485521"/>
-                    <a:pt x="8382634" y="911225"/>
-                    <a:pt x="8287258" y="1337056"/>
-                  </a:cubicBezTo>
-                  <a:cubicBezTo>
-                    <a:pt x="8146288" y="1966722"/>
-                    <a:pt x="8005699" y="2596388"/>
-                    <a:pt x="7864602" y="3225927"/>
-                  </a:cubicBezTo>
-                  <a:cubicBezTo>
-                    <a:pt x="7691247" y="3999103"/>
-                    <a:pt x="7517384" y="4772152"/>
-                    <a:pt x="7344029" y="5545328"/>
-                  </a:cubicBezTo>
-                  <a:cubicBezTo>
-                    <a:pt x="7194677" y="6211443"/>
-                    <a:pt x="7045579" y="6877558"/>
-                    <a:pt x="6896354" y="7543800"/>
-                  </a:cubicBezTo>
-                  <a:cubicBezTo>
-                    <a:pt x="6765290" y="8129016"/>
-                    <a:pt x="6634480" y="8714105"/>
-                    <a:pt x="6503162" y="9299194"/>
-                  </a:cubicBezTo>
-                  <a:cubicBezTo>
-                    <a:pt x="6429375" y="9628250"/>
-                    <a:pt x="6354953" y="9957181"/>
-                    <a:pt x="6280785" y="10286237"/>
-                  </a:cubicBezTo>
-                  <a:cubicBezTo>
-                    <a:pt x="4199382" y="10286237"/>
-                    <a:pt x="2118106" y="10286110"/>
-                    <a:pt x="36830" y="10286999"/>
-                  </a:cubicBezTo>
-                  <a:cubicBezTo>
-                    <a:pt x="6731" y="10286999"/>
-                    <a:pt x="0" y="10280268"/>
-                    <a:pt x="0" y="10250043"/>
-                  </a:cubicBezTo>
-                  <a:cubicBezTo>
-                    <a:pt x="762" y="6845681"/>
-                    <a:pt x="762" y="3441319"/>
-                    <a:pt x="0" y="36957"/>
-                  </a:cubicBezTo>
-                  <a:cubicBezTo>
-                    <a:pt x="0" y="6731"/>
-                    <a:pt x="6731" y="0"/>
-                    <a:pt x="36830" y="0"/>
-                  </a:cubicBezTo>
-                  <a:cubicBezTo>
-                    <a:pt x="2886456" y="762"/>
-                    <a:pt x="5736082" y="762"/>
-                    <a:pt x="8585708" y="762"/>
-                  </a:cubicBezTo>
-                  <a:close/>
-                </a:path>
-              </a:pathLst>
-            </a:custGeom>
-            <a:solidFill>
-              <a:srgbClr val="153B0D"/>
-            </a:solidFill>
-          </p:spPr>
-        </p:sp>
-      </p:grpSp>
-      <p:grpSp>
-        <p:nvGrpSpPr>
-          <p:cNvPr id="4" name="Group 4"/>
-          <p:cNvGrpSpPr/>
-          <p:nvPr/>
-        </p:nvGrpSpPr>
-        <p:grpSpPr>
-          <a:xfrm>
-            <a:off x="1028700" y="1028700"/>
-            <a:ext cx="5394661" cy="466459"/>
-            <a:chOff x="0" y="0"/>
-            <a:chExt cx="7192882" cy="621946"/>
-          </a:xfrm>
-        </p:grpSpPr>
-        <p:pic>
-          <p:nvPicPr>
-            <p:cNvPr id="5" name="Picture 5"/>
-            <p:cNvPicPr>
-              <a:picLocks noChangeAspect="1"/>
-            </p:cNvPicPr>
-            <p:nvPr/>
-          </p:nvPicPr>
-          <p:blipFill>
-            <a:blip r:embed="rId2" cstate="print">
-              <a:extLst>
-                <a:ext uri="{28A0092B-C50C-407E-A947-70E740481C1C}">
-                  <a14:useLocalDpi xmlns:a14="http://schemas.microsoft.com/office/drawing/2010/main" val="0"/>
-                </a:ext>
-                <a:ext uri="{96DAC541-7B7A-43D3-8B79-37D633B846F1}">
-                  <asvg:svgBlip xmlns:asvg="http://schemas.microsoft.com/office/drawing/2016/SVG/main" xmlns="" r:embed="rId3"/>
-                </a:ext>
-              </a:extLst>
-            </a:blip>
-            <a:srcRect/>
-            <a:stretch>
-              <a:fillRect/>
-            </a:stretch>
-          </p:blipFill>
-          <p:spPr>
-            <a:xfrm>
-              <a:off x="0" y="0"/>
-              <a:ext cx="919543" cy="621946"/>
-            </a:xfrm>
-            <a:prstGeom prst="rect">
-              <a:avLst/>
-            </a:prstGeom>
-          </p:spPr>
-        </p:pic>
-        <p:sp>
-          <p:nvSpPr>
-            <p:cNvPr id="6" name="TextBox 6"/>
-            <p:cNvSpPr txBox="1"/>
-            <p:nvPr/>
-          </p:nvSpPr>
-          <p:spPr>
-            <a:xfrm>
-              <a:off x="1181251" y="113276"/>
-              <a:ext cx="6011630" cy="408093"/>
-            </a:xfrm>
-            <a:prstGeom prst="rect">
-              <a:avLst/>
-            </a:prstGeom>
-          </p:spPr>
-          <p:txBody>
-            <a:bodyPr lIns="0" tIns="0" rIns="0" bIns="0" rtlCol="0" anchor="t">
-              <a:spAutoFit/>
-            </a:bodyPr>
-            <a:lstStyle/>
-            <a:p>
-              <a:pPr>
-                <a:lnSpc>
-                  <a:spcPts val="2554"/>
-                </a:lnSpc>
-              </a:pPr>
-              <a:r>
-                <a:rPr lang="en-US" sz="1824">
-                  <a:solidFill>
-                    <a:srgbClr val="FFFFFF"/>
-                  </a:solidFill>
-                  <a:latin typeface="Montserrat Bold"/>
-                </a:rPr>
-                <a:t>Проект по Яндекс Лицей</a:t>
-              </a:r>
-            </a:p>
-          </p:txBody>
-        </p:sp>
-      </p:grpSp>
-      <p:grpSp>
-        <p:nvGrpSpPr>
-          <p:cNvPr id="7" name="Group 7"/>
-          <p:cNvGrpSpPr>
-            <a:grpSpLocks noChangeAspect="1"/>
-          </p:cNvGrpSpPr>
-          <p:nvPr/>
-        </p:nvGrpSpPr>
-        <p:grpSpPr>
-          <a:xfrm>
-            <a:off x="1028700" y="2479174"/>
-            <a:ext cx="1397812" cy="945228"/>
-            <a:chOff x="0" y="0"/>
-            <a:chExt cx="6221730" cy="4207256"/>
-          </a:xfrm>
-        </p:grpSpPr>
-        <p:sp>
-          <p:nvSpPr>
-            <p:cNvPr id="8" name="Freeform 8"/>
-            <p:cNvSpPr/>
-            <p:nvPr/>
-          </p:nvSpPr>
-          <p:spPr>
-            <a:xfrm>
-              <a:off x="0" y="0"/>
-              <a:ext cx="6221730" cy="4207256"/>
-            </a:xfrm>
-            <a:custGeom>
-              <a:avLst/>
-              <a:gdLst/>
-              <a:ahLst/>
-              <a:cxnLst/>
-              <a:rect l="l" t="t" r="r" b="b"/>
-              <a:pathLst>
-                <a:path w="6221730" h="4207256">
-                  <a:moveTo>
-                    <a:pt x="6221730" y="0"/>
-                  </a:moveTo>
-                  <a:lnTo>
-                    <a:pt x="3877818" y="3979799"/>
-                  </a:lnTo>
-                  <a:cubicBezTo>
-                    <a:pt x="3799239" y="4120239"/>
-                    <a:pt x="3650888" y="4207238"/>
-                    <a:pt x="3489960" y="4207256"/>
-                  </a:cubicBezTo>
-                  <a:lnTo>
-                    <a:pt x="0" y="4207256"/>
-                  </a:lnTo>
-                  <a:lnTo>
-                    <a:pt x="0" y="0"/>
-                  </a:lnTo>
-                  <a:close/>
-                </a:path>
-              </a:pathLst>
-            </a:custGeom>
-            <a:solidFill>
-              <a:srgbClr val="02A54B"/>
-            </a:solidFill>
-          </p:spPr>
-        </p:sp>
-      </p:grpSp>
-      <p:pic>
-        <p:nvPicPr>
-          <p:cNvPr id="9" name="Picture 9"/>
-          <p:cNvPicPr>
-            <a:picLocks noChangeAspect="1"/>
-          </p:cNvPicPr>
-          <p:nvPr/>
-        </p:nvPicPr>
-        <p:blipFill>
-          <a:blip r:embed="rId4"/>
-          <a:srcRect/>
-          <a:stretch>
-            <a:fillRect/>
-          </a:stretch>
-        </p:blipFill>
-        <p:spPr>
-          <a:xfrm>
-            <a:off x="9851693" y="1261930"/>
-            <a:ext cx="6837432" cy="4105191"/>
-          </a:xfrm>
-          <a:prstGeom prst="rect">
-            <a:avLst/>
-          </a:prstGeom>
-        </p:spPr>
-      </p:pic>
-      <p:grpSp>
-        <p:nvGrpSpPr>
-          <p:cNvPr id="10" name="Group 10"/>
-          <p:cNvGrpSpPr/>
-          <p:nvPr/>
-        </p:nvGrpSpPr>
-        <p:grpSpPr>
-          <a:xfrm rot="5400000">
-            <a:off x="9554640" y="1030296"/>
-            <a:ext cx="1995185" cy="1991992"/>
-            <a:chOff x="0" y="0"/>
-            <a:chExt cx="6350000" cy="6339840"/>
-          </a:xfrm>
-        </p:grpSpPr>
-        <p:sp>
-          <p:nvSpPr>
-            <p:cNvPr id="11" name="Freeform 11"/>
-            <p:cNvSpPr/>
-            <p:nvPr/>
-          </p:nvSpPr>
-          <p:spPr>
-            <a:xfrm>
-              <a:off x="0" y="0"/>
-              <a:ext cx="6350000" cy="6339840"/>
-            </a:xfrm>
-            <a:custGeom>
-              <a:avLst/>
-              <a:gdLst/>
-              <a:ahLst/>
-              <a:cxnLst/>
-              <a:rect l="l" t="t" r="r" b="b"/>
-              <a:pathLst>
-                <a:path w="6350000" h="6339840">
-                  <a:moveTo>
-                    <a:pt x="6350000" y="6339840"/>
-                  </a:moveTo>
-                  <a:lnTo>
-                    <a:pt x="0" y="6339840"/>
-                  </a:lnTo>
-                  <a:lnTo>
-                    <a:pt x="0" y="0"/>
-                  </a:lnTo>
-                  <a:lnTo>
-                    <a:pt x="6350000" y="6339840"/>
-                  </a:lnTo>
-                  <a:close/>
-                </a:path>
-              </a:pathLst>
-            </a:custGeom>
-            <a:solidFill>
-              <a:srgbClr val="F6F6F6"/>
-            </a:solidFill>
-          </p:spPr>
-        </p:sp>
-      </p:grpSp>
-      <p:grpSp>
-        <p:nvGrpSpPr>
-          <p:cNvPr id="12" name="Group 12"/>
-          <p:cNvGrpSpPr/>
-          <p:nvPr/>
-        </p:nvGrpSpPr>
-        <p:grpSpPr>
-          <a:xfrm>
-            <a:off x="9711744" y="5951868"/>
-            <a:ext cx="7117330" cy="1764552"/>
-            <a:chOff x="0" y="0"/>
-            <a:chExt cx="9489773" cy="2352736"/>
-          </a:xfrm>
-        </p:grpSpPr>
-        <p:sp>
-          <p:nvSpPr>
-            <p:cNvPr id="13" name="TextBox 13"/>
-            <p:cNvSpPr txBox="1"/>
-            <p:nvPr/>
-          </p:nvSpPr>
-          <p:spPr>
-            <a:xfrm>
-              <a:off x="0" y="-9525"/>
-              <a:ext cx="9489773" cy="542925"/>
-            </a:xfrm>
-            <a:prstGeom prst="rect">
-              <a:avLst/>
-            </a:prstGeom>
-          </p:spPr>
-          <p:txBody>
-            <a:bodyPr lIns="0" tIns="0" rIns="0" bIns="0" rtlCol="0" anchor="t">
-              <a:spAutoFit/>
-            </a:bodyPr>
-            <a:lstStyle/>
-            <a:p>
-              <a:pPr>
-                <a:lnSpc>
-                  <a:spcPts val="3210"/>
-                </a:lnSpc>
-              </a:pPr>
-              <a:r>
-                <a:rPr lang="en-US" sz="2675">
-                  <a:solidFill>
-                    <a:srgbClr val="000000"/>
-                  </a:solidFill>
-                  <a:latin typeface="Montserrat"/>
-                </a:rPr>
-                <a:t>Попадание в бар</a:t>
-              </a:r>
-            </a:p>
-          </p:txBody>
-        </p:sp>
-        <p:sp>
-          <p:nvSpPr>
-            <p:cNvPr id="14" name="TextBox 14"/>
-            <p:cNvSpPr txBox="1"/>
-            <p:nvPr/>
-          </p:nvSpPr>
-          <p:spPr>
-            <a:xfrm>
-              <a:off x="0" y="1437701"/>
-              <a:ext cx="9489773" cy="833755"/>
-            </a:xfrm>
-            <a:prstGeom prst="rect">
-              <a:avLst/>
-            </a:prstGeom>
-          </p:spPr>
-          <p:txBody>
-            <a:bodyPr lIns="0" tIns="0" rIns="0" bIns="0" rtlCol="0" anchor="t">
-              <a:spAutoFit/>
-            </a:bodyPr>
-            <a:lstStyle/>
-            <a:p>
-              <a:pPr>
-                <a:lnSpc>
-                  <a:spcPts val="2535"/>
-                </a:lnSpc>
-              </a:pPr>
-              <a:r>
-                <a:rPr lang="en-US" sz="1950">
-                  <a:solidFill>
-                    <a:srgbClr val="000000"/>
-                  </a:solidFill>
-                  <a:latin typeface="Montserrat"/>
-                </a:rPr>
-                <a:t>Вы можете поменять свои атаки и их расположение в своем инвентаре и позже перейти к битве</a:t>
-              </a:r>
-            </a:p>
-          </p:txBody>
-        </p:sp>
-      </p:grpSp>
-      <p:sp>
-        <p:nvSpPr>
-          <p:cNvPr id="15" name="TextBox 15"/>
-          <p:cNvSpPr txBox="1"/>
-          <p:nvPr/>
-        </p:nvSpPr>
-        <p:spPr>
-          <a:xfrm>
-            <a:off x="1028700" y="4123068"/>
-            <a:ext cx="4517062" cy="1847850"/>
-          </a:xfrm>
-          <a:prstGeom prst="rect">
-            <a:avLst/>
-          </a:prstGeom>
-        </p:spPr>
-        <p:txBody>
-          <a:bodyPr lIns="0" tIns="0" rIns="0" bIns="0" rtlCol="0" anchor="t">
-            <a:spAutoFit/>
-          </a:bodyPr>
-          <a:lstStyle/>
-          <a:p>
-            <a:pPr>
-              <a:lnSpc>
-                <a:spcPts val="7289"/>
-              </a:lnSpc>
-            </a:pPr>
-            <a:r>
-              <a:rPr lang="en-US" sz="6075">
-                <a:solidFill>
-                  <a:srgbClr val="FFFFFF"/>
-                </a:solidFill>
-                <a:latin typeface="Montserrat"/>
-              </a:rPr>
-              <a:t>Бар и инвентарь</a:t>
-            </a:r>
-          </a:p>
-        </p:txBody>
-      </p:sp>
-      <p:sp>
-        <p:nvSpPr>
-          <p:cNvPr id="16" name="TextBox 16"/>
-          <p:cNvSpPr txBox="1"/>
-          <p:nvPr/>
-        </p:nvSpPr>
-        <p:spPr>
-          <a:xfrm>
-            <a:off x="1192433" y="2675563"/>
-            <a:ext cx="699661" cy="542925"/>
-          </a:xfrm>
-          <a:prstGeom prst="rect">
-            <a:avLst/>
-          </a:prstGeom>
-        </p:spPr>
-        <p:txBody>
-          <a:bodyPr lIns="0" tIns="0" rIns="0" bIns="0" rtlCol="0" anchor="t">
-            <a:spAutoFit/>
-          </a:bodyPr>
-          <a:lstStyle/>
-          <a:p>
-            <a:pPr algn="ctr">
-              <a:lnSpc>
-                <a:spcPts val="4200"/>
-              </a:lnSpc>
-            </a:pPr>
-            <a:r>
-              <a:rPr lang="en-US" sz="3500">
-                <a:solidFill>
-                  <a:srgbClr val="FFFFFF"/>
-                </a:solidFill>
-                <a:latin typeface="Montserrat Bold"/>
-              </a:rPr>
-              <a:t>2</a:t>
-            </a:r>
-          </a:p>
-        </p:txBody>
-      </p:sp>
-    </p:spTree>
-  </p:cSld>
-  <p:clrMapOvr>
-    <a:masterClrMapping/>
-  </p:clrMapOvr>
-</p:sld>
-</file>
-
-<file path=ppt/slides/slide5.xml><?xml version="1.0" encoding="utf-8"?>
-<p:sld xmlns:a="http://schemas.openxmlformats.org/drawingml/2006/main" xmlns:r="http://schemas.openxmlformats.org/officeDocument/2006/relationships" xmlns:p="http://schemas.openxmlformats.org/presentationml/2006/main">
-  <p:cSld>
-    <p:bg>
-      <p:bgPr>
-        <a:solidFill>
-          <a:srgbClr val="F6F6F6"/>
-        </a:solidFill>
-        <a:effectLst/>
-      </p:bgPr>
-    </p:bg>
-    <p:spTree>
-      <p:nvGrpSpPr>
-        <p:cNvPr id="1" name=""/>
-        <p:cNvGrpSpPr/>
-        <p:nvPr/>
-      </p:nvGrpSpPr>
-      <p:grpSpPr>
-        <a:xfrm>
-          <a:off x="0" y="0"/>
-          <a:ext cx="0" cy="0"/>
-          <a:chOff x="0" y="0"/>
-          <a:chExt cx="0" cy="0"/>
-        </a:xfrm>
-      </p:grpSpPr>
-      <p:grpSp>
-        <p:nvGrpSpPr>
-          <p:cNvPr id="2" name="Group 2"/>
           <p:cNvGrpSpPr/>
           <p:nvPr/>
         </p:nvGrpSpPr>
@@ -5171,7 +4633,7 @@
                   <a14:useLocalDpi xmlns:a14="http://schemas.microsoft.com/office/drawing/2010/main" val="0"/>
                 </a:ext>
                 <a:ext uri="{96DAC541-7B7A-43D3-8B79-37D633B846F1}">
-                  <asvg:svgBlip xmlns:asvg="http://schemas.microsoft.com/office/drawing/2016/SVG/main" xmlns="" r:embed="rId3"/>
+                  <asvg:svgBlip xmlns="" xmlns:asvg="http://schemas.microsoft.com/office/drawing/2016/SVG/main" r:embed="rId3"/>
                 </a:ext>
               </a:extLst>
             </a:blip>
@@ -6203,7 +5665,7 @@
 </p:sld>
 </file>
 
-<file path=ppt/slides/slide6.xml><?xml version="1.0" encoding="utf-8"?>
+<file path=ppt/slides/slide5.xml><?xml version="1.0" encoding="utf-8"?>
 <p:sld xmlns:a="http://schemas.openxmlformats.org/drawingml/2006/main" xmlns:r="http://schemas.openxmlformats.org/officeDocument/2006/relationships" xmlns:p="http://schemas.openxmlformats.org/presentationml/2006/main">
   <p:cSld>
     <p:bg>
@@ -6365,7 +5827,7 @@
                   <a14:useLocalDpi xmlns:a14="http://schemas.microsoft.com/office/drawing/2010/main" val="0"/>
                 </a:ext>
                 <a:ext uri="{96DAC541-7B7A-43D3-8B79-37D633B846F1}">
-                  <asvg:svgBlip xmlns:asvg="http://schemas.microsoft.com/office/drawing/2016/SVG/main" xmlns="" r:embed="rId3"/>
+                  <asvg:svgBlip xmlns="" xmlns:asvg="http://schemas.microsoft.com/office/drawing/2016/SVG/main" r:embed="rId3"/>
                 </a:ext>
               </a:extLst>
             </a:blip>
@@ -6580,7 +6042,7 @@
                 <a14:useLocalDpi xmlns:a14="http://schemas.microsoft.com/office/drawing/2010/main" val="0"/>
               </a:ext>
               <a:ext uri="{96DAC541-7B7A-43D3-8B79-37D633B846F1}">
-                <asvg:svgBlip xmlns:asvg="http://schemas.microsoft.com/office/drawing/2016/SVG/main" xmlns="" r:embed="rId6"/>
+                <asvg:svgBlip xmlns="" xmlns:asvg="http://schemas.microsoft.com/office/drawing/2016/SVG/main" r:embed="rId6"/>
               </a:ext>
             </a:extLst>
           </a:blip>
@@ -6781,7 +6243,7 @@
                 <a14:useLocalDpi xmlns:a14="http://schemas.microsoft.com/office/drawing/2010/main" val="0"/>
               </a:ext>
               <a:ext uri="{96DAC541-7B7A-43D3-8B79-37D633B846F1}">
-                <asvg:svgBlip xmlns:asvg="http://schemas.microsoft.com/office/drawing/2016/SVG/main" xmlns="" r:embed="rId8"/>
+                <asvg:svgBlip xmlns="" xmlns:asvg="http://schemas.microsoft.com/office/drawing/2016/SVG/main" r:embed="rId8"/>
               </a:ext>
             </a:extLst>
           </a:blip>
@@ -6808,7 +6270,7 @@
 </p:sld>
 </file>
 
-<file path=ppt/slides/slide7.xml><?xml version="1.0" encoding="utf-8"?>
+<file path=ppt/slides/slide6.xml><?xml version="1.0" encoding="utf-8"?>
 <p:sld xmlns:a="http://schemas.openxmlformats.org/drawingml/2006/main" xmlns:r="http://schemas.openxmlformats.org/officeDocument/2006/relationships" xmlns:p="http://schemas.openxmlformats.org/presentationml/2006/main">
   <p:cSld>
     <p:bg>
@@ -7379,7 +6841,7 @@
                 <a14:useLocalDpi xmlns:a14="http://schemas.microsoft.com/office/drawing/2010/main" val="0"/>
               </a:ext>
               <a:ext uri="{96DAC541-7B7A-43D3-8B79-37D633B846F1}">
-                <asvg:svgBlip xmlns:asvg="http://schemas.microsoft.com/office/drawing/2016/SVG/main" xmlns="" r:embed="rId4"/>
+                <asvg:svgBlip xmlns="" xmlns:asvg="http://schemas.microsoft.com/office/drawing/2016/SVG/main" r:embed="rId4"/>
               </a:ext>
             </a:extLst>
           </a:blip>
@@ -7413,7 +6875,7 @@
                 <a14:useLocalDpi xmlns:a14="http://schemas.microsoft.com/office/drawing/2010/main" val="0"/>
               </a:ext>
               <a:ext uri="{96DAC541-7B7A-43D3-8B79-37D633B846F1}">
-                <asvg:svgBlip xmlns:asvg="http://schemas.microsoft.com/office/drawing/2016/SVG/main" xmlns="" r:embed="rId6"/>
+                <asvg:svgBlip xmlns="" xmlns:asvg="http://schemas.microsoft.com/office/drawing/2016/SVG/main" r:embed="rId6"/>
               </a:ext>
             </a:extLst>
           </a:blip>
